--- a/LAB14.pptx
+++ b/LAB14.pptx
@@ -14,8 +14,8 @@
     <p:sldId id="4094" r:id="rId7"/>
     <p:sldId id="4124" r:id="rId8"/>
     <p:sldId id="4125" r:id="rId9"/>
-    <p:sldId id="4126" r:id="rId10"/>
-    <p:sldId id="4106" r:id="rId11"/>
+    <p:sldId id="4106" r:id="rId10"/>
+    <p:sldId id="4126" r:id="rId11"/>
     <p:sldId id="4119" r:id="rId12"/>
     <p:sldId id="4127" r:id="rId13"/>
     <p:sldId id="4121" r:id="rId14"/>
@@ -170,12 +170,12 @@
             <a:srgbClr val="A4A3A4"/>
           </p15:clr>
         </p15:guide>
-        <p15:guide id="2" pos="4262" userDrawn="1">
+        <p15:guide id="2" pos="4263" userDrawn="1">
           <p15:clr>
             <a:srgbClr val="A4A3A4"/>
           </p15:clr>
         </p15:guide>
-        <p15:guide id="3" orient="horz" pos="2698" userDrawn="1">
+        <p15:guide id="3" orient="horz" pos="2652" userDrawn="1">
           <p15:clr>
             <a:srgbClr val="A4A3A4"/>
           </p15:clr>
@@ -185,7 +185,7 @@
             <a:srgbClr val="A4A3A4"/>
           </p15:clr>
         </p15:guide>
-        <p15:guide id="5" orient="horz" pos="3696" userDrawn="1">
+        <p15:guide id="5" orient="horz" pos="3680" userDrawn="1">
           <p15:clr>
             <a:srgbClr val="A4A3A4"/>
           </p15:clr>
@@ -7886,7 +7886,7 @@
         <p:spPr>
           <a:xfrm>
             <a:off x="352425" y="495300"/>
-            <a:ext cx="11489055" cy="5761355"/>
+            <a:ext cx="11468100" cy="1558925"/>
           </a:xfrm>
           <a:prstGeom prst="rect">
             <a:avLst/>
@@ -7978,94 +7978,801 @@
               <a:buFont typeface="Wingdings" panose="05000000000000000000" charset="0"/>
               <a:buChar char="q"/>
             </a:pPr>
+            <a:endParaRPr lang="en-AU" altLang="en-US"/>
+          </a:p>
+          <a:p>
+            <a:pPr indent="0">
+              <a:buFont typeface="Wingdings" panose="05000000000000000000" charset="0"/>
+              <a:buNone/>
+            </a:pPr>
+            <a:r>
+              <a:rPr lang="en-AU" altLang="en-US"/>
+              <a:t>top</a:t>
+            </a:r>
             <a:endParaRPr lang="en-US" altLang="en-US"/>
           </a:p>
           <a:p>
+            <a:pPr indent="0">
+              <a:buFont typeface="Wingdings" panose="05000000000000000000" charset="0"/>
+              <a:buNone/>
+            </a:pPr>
+            <a:r>
+              <a:rPr lang="en-AU" altLang="en-US"/>
+              <a:t>      testbench</a:t>
+            </a:r>
+            <a:endParaRPr lang="en-US" altLang="en-US"/>
+          </a:p>
+          <a:p>
+            <a:pPr lvl="3" indent="0">
+              <a:buFont typeface="Wingdings" panose="05000000000000000000" charset="0"/>
+              <a:buNone/>
+            </a:pPr>
+            <a:endParaRPr lang="en-US" altLang="en-US"/>
+          </a:p>
+          <a:p>
+            <a:pPr indent="0">
+              <a:buFont typeface="Wingdings" panose="05000000000000000000" charset="0"/>
+              <a:buNone/>
+            </a:pPr>
+            <a:endParaRPr lang="en-AU" altLang="en-US"/>
+          </a:p>
+          <a:p>
             <a:pPr marL="285750" indent="-285750">
               <a:buFont typeface="Wingdings" panose="05000000000000000000" charset="0"/>
               <a:buChar char="q"/>
             </a:pPr>
-            <a:endParaRPr lang="en-US" altLang="en-US"/>
+            <a:endParaRPr lang="en-AU" altLang="en-US"/>
           </a:p>
           <a:p>
             <a:pPr marL="285750" indent="-285750">
               <a:buFont typeface="Wingdings" panose="05000000000000000000" charset="0"/>
               <a:buChar char="q"/>
             </a:pPr>
-            <a:endParaRPr lang="en-US" altLang="en-US"/>
+            <a:endParaRPr lang="en-AU" altLang="en-US"/>
           </a:p>
           <a:p>
             <a:pPr marL="285750" indent="-285750">
               <a:buFont typeface="Wingdings" panose="05000000000000000000" charset="0"/>
               <a:buChar char="q"/>
             </a:pPr>
-            <a:endParaRPr lang="en-US" altLang="en-US"/>
+            <a:endParaRPr lang="en-AU" altLang="en-US"/>
           </a:p>
           <a:p>
             <a:pPr marL="285750" indent="-285750">
               <a:buFont typeface="Wingdings" panose="05000000000000000000" charset="0"/>
               <a:buChar char="q"/>
             </a:pPr>
-            <a:endParaRPr lang="en-US" altLang="en-US"/>
-          </a:p>
-          <a:p>
-            <a:pPr marL="285750" indent="-285750">
+            <a:endParaRPr lang="en-AU" altLang="en-US"/>
+          </a:p>
+          <a:p>
+            <a:pPr indent="0">
+              <a:buFont typeface="Wingdings" panose="05000000000000000000" charset="0"/>
+              <a:buNone/>
+            </a:pPr>
+            <a:endParaRPr lang="en-AU" altLang="en-US"/>
+          </a:p>
+          <a:p>
+            <a:pPr marL="3943350" lvl="8" indent="-285750">
               <a:buFont typeface="Wingdings" panose="05000000000000000000" charset="0"/>
               <a:buChar char="q"/>
             </a:pPr>
-            <a:endParaRPr lang="en-US" altLang="en-US"/>
-          </a:p>
-          <a:p>
-            <a:pPr marL="285750" indent="-285750">
-              <a:buFont typeface="Wingdings" panose="05000000000000000000" charset="0"/>
-              <a:buChar char="q"/>
-            </a:pPr>
-            <a:endParaRPr lang="en-US" altLang="en-US"/>
-          </a:p>
-          <a:p>
-            <a:pPr marL="285750" indent="-285750">
-              <a:buFont typeface="Wingdings" panose="05000000000000000000" charset="0"/>
-              <a:buChar char="q"/>
-            </a:pPr>
             <a:endParaRPr lang="en-AU" altLang="en-US"/>
           </a:p>
           <a:p>
-            <a:pPr marL="285750" indent="-285750">
-              <a:buFont typeface="Wingdings" panose="05000000000000000000" charset="0"/>
-              <a:buChar char="q"/>
+            <a:pPr lvl="8" indent="0">
+              <a:buFont typeface="Wingdings" panose="05000000000000000000" charset="0"/>
+              <a:buNone/>
             </a:pPr>
             <a:endParaRPr lang="en-AU" altLang="en-US"/>
           </a:p>
-          <a:p>
-            <a:pPr marL="285750" indent="-285750">
-              <a:buFont typeface="Wingdings" panose="05000000000000000000" charset="0"/>
-              <a:buChar char="q"/>
-            </a:pPr>
+        </p:txBody>
+      </p:sp>
+      <p:sp>
+        <p:nvSpPr>
+          <p:cNvPr id="3" name="Rectangles 2"/>
+          <p:cNvSpPr/>
+          <p:nvPr/>
+        </p:nvSpPr>
+        <p:spPr>
+          <a:xfrm>
+            <a:off x="9946005" y="2616200"/>
+            <a:ext cx="1473200" cy="3225800"/>
+          </a:xfrm>
+          <a:prstGeom prst="rect">
+            <a:avLst/>
+          </a:prstGeom>
+          <a:solidFill>
+            <a:schemeClr val="bg1">
+              <a:lumMod val="75000"/>
+            </a:schemeClr>
+          </a:solidFill>
+        </p:spPr>
+        <p:style>
+          <a:lnRef idx="0">
+            <a:srgbClr val="FFFFFF"/>
+          </a:lnRef>
+          <a:fillRef idx="1">
+            <a:schemeClr val="accent1"/>
+          </a:fillRef>
+          <a:effectRef idx="0">
+            <a:srgbClr val="FFFFFF"/>
+          </a:effectRef>
+          <a:fontRef idx="minor">
+            <a:schemeClr val="lt1"/>
+          </a:fontRef>
+        </p:style>
+        <p:txBody>
+          <a:bodyPr rtlCol="0" anchor="ctr"/>
+          <a:p>
+            <a:pPr algn="ctr"/>
+            <a:r>
+              <a:rPr lang="en-AU" altLang="en-US" sz="2400">
+                <a:solidFill>
+                  <a:schemeClr val="tx1"/>
+                </a:solidFill>
+              </a:rPr>
+              <a:t>DUT</a:t>
+            </a:r>
+            <a:endParaRPr lang="en-AU" altLang="en-US" sz="2400">
+              <a:solidFill>
+                <a:schemeClr val="tx1"/>
+              </a:solidFill>
+            </a:endParaRPr>
+          </a:p>
+        </p:txBody>
+      </p:sp>
+      <p:sp>
+        <p:nvSpPr>
+          <p:cNvPr id="4" name="Left-Right Arrow 3"/>
+          <p:cNvSpPr/>
+          <p:nvPr/>
+        </p:nvSpPr>
+        <p:spPr>
+          <a:xfrm>
+            <a:off x="8949690" y="4044950"/>
+            <a:ext cx="990600" cy="381000"/>
+          </a:xfrm>
+          <a:prstGeom prst="leftRightArrow">
+            <a:avLst/>
+          </a:prstGeom>
+          <a:solidFill>
+            <a:schemeClr val="tx1"/>
+          </a:solidFill>
+          <a:ln>
+            <a:solidFill>
+              <a:schemeClr val="tx1"/>
+            </a:solidFill>
+          </a:ln>
+        </p:spPr>
+        <p:style>
+          <a:lnRef idx="2">
+            <a:schemeClr val="accent1">
+              <a:lumMod val="75000"/>
+            </a:schemeClr>
+          </a:lnRef>
+          <a:fillRef idx="1">
+            <a:schemeClr val="accent1"/>
+          </a:fillRef>
+          <a:effectRef idx="0">
+            <a:srgbClr val="FFFFFF"/>
+          </a:effectRef>
+          <a:fontRef idx="minor">
+            <a:schemeClr val="lt1"/>
+          </a:fontRef>
+        </p:style>
+        <p:txBody>
+          <a:bodyPr rtlCol="0" anchor="ctr"/>
+          <a:p>
+            <a:pPr algn="ctr"/>
+            <a:endParaRPr lang="en-US"/>
+          </a:p>
+        </p:txBody>
+      </p:sp>
+      <p:sp>
+        <p:nvSpPr>
+          <p:cNvPr id="6" name="Rectangles 5"/>
+          <p:cNvSpPr/>
+          <p:nvPr/>
+        </p:nvSpPr>
+        <p:spPr>
+          <a:xfrm>
+            <a:off x="7833995" y="3070860"/>
+            <a:ext cx="1077595" cy="2396490"/>
+          </a:xfrm>
+          <a:prstGeom prst="rect">
+            <a:avLst/>
+          </a:prstGeom>
+          <a:solidFill>
+            <a:schemeClr val="accent5">
+              <a:lumMod val="20000"/>
+              <a:lumOff val="80000"/>
+            </a:schemeClr>
+          </a:solidFill>
+          <a:ln>
+            <a:solidFill>
+              <a:schemeClr val="tx1"/>
+            </a:solidFill>
+          </a:ln>
+        </p:spPr>
+        <p:style>
+          <a:lnRef idx="3">
+            <a:schemeClr val="accent1"/>
+          </a:lnRef>
+          <a:fillRef idx="0">
+            <a:srgbClr val="FFFFFF"/>
+          </a:fillRef>
+          <a:effectRef idx="0">
+            <a:srgbClr val="FFFFFF"/>
+          </a:effectRef>
+          <a:fontRef idx="minor">
+            <a:schemeClr val="tx1"/>
+          </a:fontRef>
+        </p:style>
+        <p:txBody>
+          <a:bodyPr rtlCol="0" anchor="ctr"/>
+          <a:p>
+            <a:pPr algn="ctr"/>
+            <a:r>
+              <a:rPr lang="en-AU" altLang="en-US">
+                <a:solidFill>
+                  <a:schemeClr val="tx1"/>
+                </a:solidFill>
+              </a:rPr>
+              <a:t>interface</a:t>
+            </a:r>
+            <a:endParaRPr lang="en-AU" altLang="en-US">
+              <a:solidFill>
+                <a:schemeClr val="tx1"/>
+              </a:solidFill>
+            </a:endParaRPr>
+          </a:p>
+        </p:txBody>
+      </p:sp>
+      <p:sp>
+        <p:nvSpPr>
+          <p:cNvPr id="7" name="Rectangles 6"/>
+          <p:cNvSpPr/>
+          <p:nvPr/>
+        </p:nvSpPr>
+        <p:spPr>
+          <a:xfrm>
+            <a:off x="351790" y="2232025"/>
+            <a:ext cx="11217275" cy="4022090"/>
+          </a:xfrm>
+          <a:prstGeom prst="rect">
+            <a:avLst/>
+          </a:prstGeom>
+          <a:ln>
+            <a:solidFill>
+              <a:schemeClr val="tx1"/>
+            </a:solidFill>
+          </a:ln>
+          <a:extLst>
+            <a:ext uri="{909E8E84-426E-40DD-AFC4-6F175D3DCCD1}">
+              <a14:hiddenFill xmlns:a14="http://schemas.microsoft.com/office/drawing/2010/main">
+                <a:solidFill>
+                  <a:schemeClr val="accent1"/>
+                </a:solidFill>
+              </a14:hiddenFill>
+            </a:ext>
+          </a:extLst>
+        </p:spPr>
+        <p:style>
+          <a:lnRef idx="3">
+            <a:schemeClr val="accent1"/>
+          </a:lnRef>
+          <a:fillRef idx="0">
+            <a:srgbClr val="FFFFFF"/>
+          </a:fillRef>
+          <a:effectRef idx="0">
+            <a:srgbClr val="FFFFFF"/>
+          </a:effectRef>
+          <a:fontRef idx="minor">
+            <a:schemeClr val="tx1"/>
+          </a:fontRef>
+        </p:style>
+        <p:txBody>
+          <a:bodyPr rtlCol="0" anchor="ctr"/>
+          <a:p>
+            <a:pPr algn="ctr"/>
+            <a:endParaRPr lang="en-US"/>
+          </a:p>
+        </p:txBody>
+      </p:sp>
+      <p:cxnSp>
+        <p:nvCxnSpPr>
+          <p:cNvPr id="8" name="Straight Arrow Connector 7"/>
+          <p:cNvCxnSpPr>
+            <a:stCxn id="6" idx="1"/>
+          </p:cNvCxnSpPr>
+          <p:nvPr/>
+        </p:nvCxnSpPr>
+        <p:spPr>
+          <a:xfrm flipH="1">
+            <a:off x="7146290" y="4269105"/>
+            <a:ext cx="687705" cy="635"/>
+          </a:xfrm>
+          <a:prstGeom prst="straightConnector1">
+            <a:avLst/>
+          </a:prstGeom>
+          <a:ln w="31750" cap="rnd">
+            <a:solidFill>
+              <a:schemeClr val="tx1"/>
+            </a:solidFill>
+            <a:round/>
+            <a:tailEnd type="arrow" w="med" len="med"/>
+          </a:ln>
+        </p:spPr>
+        <p:style>
+          <a:lnRef idx="0">
+            <a:srgbClr val="FFFFFF"/>
+          </a:lnRef>
+          <a:fillRef idx="0">
+            <a:srgbClr val="FFFFFF"/>
+          </a:fillRef>
+          <a:effectRef idx="0">
+            <a:srgbClr val="FFFFFF"/>
+          </a:effectRef>
+          <a:fontRef idx="minor">
+            <a:schemeClr val="tx1"/>
+          </a:fontRef>
+        </p:style>
+      </p:cxnSp>
+      <p:sp>
+        <p:nvSpPr>
+          <p:cNvPr id="14" name="Rectangles 13"/>
+          <p:cNvSpPr/>
+          <p:nvPr/>
+        </p:nvSpPr>
+        <p:spPr>
+          <a:xfrm>
+            <a:off x="6085205" y="3879215"/>
+            <a:ext cx="1071245" cy="796290"/>
+          </a:xfrm>
+          <a:prstGeom prst="rect">
+            <a:avLst/>
+          </a:prstGeom>
+          <a:solidFill>
+            <a:schemeClr val="accent5">
+              <a:lumMod val="20000"/>
+              <a:lumOff val="80000"/>
+            </a:schemeClr>
+          </a:solidFill>
+          <a:ln>
+            <a:solidFill>
+              <a:schemeClr val="tx1"/>
+            </a:solidFill>
+          </a:ln>
+        </p:spPr>
+        <p:style>
+          <a:lnRef idx="3">
+            <a:schemeClr val="accent1"/>
+          </a:lnRef>
+          <a:fillRef idx="0">
+            <a:srgbClr val="FFFFFF"/>
+          </a:fillRef>
+          <a:effectRef idx="0">
+            <a:srgbClr val="FFFFFF"/>
+          </a:effectRef>
+          <a:fontRef idx="minor">
+            <a:schemeClr val="tx1"/>
+          </a:fontRef>
+        </p:style>
+        <p:txBody>
+          <a:bodyPr rtlCol="0" anchor="ctr"/>
+          <a:p>
+            <a:pPr algn="ctr"/>
+            <a:r>
+              <a:rPr lang="en-AU" altLang="en-US">
+                <a:solidFill>
+                  <a:schemeClr val="tx1"/>
+                </a:solidFill>
+              </a:rPr>
+              <a:t>VIR IF</a:t>
+            </a:r>
+            <a:endParaRPr lang="en-AU" altLang="en-US">
+              <a:solidFill>
+                <a:schemeClr val="tx1"/>
+              </a:solidFill>
+            </a:endParaRPr>
+          </a:p>
+        </p:txBody>
+      </p:sp>
+      <p:sp>
+        <p:nvSpPr>
+          <p:cNvPr id="18" name="Rectangles 17"/>
+          <p:cNvSpPr/>
+          <p:nvPr/>
+        </p:nvSpPr>
+        <p:spPr>
+          <a:xfrm>
+            <a:off x="2185035" y="2704465"/>
+            <a:ext cx="2653030" cy="1341120"/>
+          </a:xfrm>
+          <a:prstGeom prst="rect">
+            <a:avLst/>
+          </a:prstGeom>
+          <a:ln>
+            <a:solidFill>
+              <a:schemeClr val="tx1"/>
+            </a:solidFill>
+          </a:ln>
+          <a:extLst>
+            <a:ext uri="{909E8E84-426E-40DD-AFC4-6F175D3DCCD1}">
+              <a14:hiddenFill xmlns:a14="http://schemas.microsoft.com/office/drawing/2010/main">
+                <a:solidFill>
+                  <a:schemeClr val="accent1"/>
+                </a:solidFill>
+              </a14:hiddenFill>
+            </a:ext>
+          </a:extLst>
+        </p:spPr>
+        <p:style>
+          <a:lnRef idx="3">
+            <a:schemeClr val="accent1"/>
+          </a:lnRef>
+          <a:fillRef idx="0">
+            <a:srgbClr val="FFFFFF"/>
+          </a:fillRef>
+          <a:effectRef idx="0">
+            <a:srgbClr val="FFFFFF"/>
+          </a:effectRef>
+          <a:fontRef idx="minor">
+            <a:schemeClr val="tx1"/>
+          </a:fontRef>
+        </p:style>
+        <p:txBody>
+          <a:bodyPr rtlCol="0" anchor="ctr"/>
+          <a:p>
+            <a:pPr algn="ctr"/>
+            <a:r>
+              <a:rPr lang="en-AU" altLang="en-US"/>
+              <a:t>mem_test1</a:t>
+            </a:r>
             <a:endParaRPr lang="en-AU" altLang="en-US"/>
           </a:p>
-          <a:p>
-            <a:pPr marL="285750" indent="-285750">
-              <a:buFont typeface="Wingdings" panose="05000000000000000000" charset="0"/>
-              <a:buChar char="q"/>
-            </a:pPr>
-            <a:endParaRPr lang="en-AU" altLang="en-US"/>
-          </a:p>
-          <a:p>
-            <a:pPr marL="3943350" lvl="8" indent="-285750">
-              <a:buFont typeface="Wingdings" panose="05000000000000000000" charset="0"/>
-              <a:buChar char="q"/>
-            </a:pPr>
-            <a:endParaRPr lang="en-AU" altLang="en-US"/>
-          </a:p>
-          <a:p>
-            <a:pPr lvl="8" indent="0">
-              <a:buFont typeface="Wingdings" panose="05000000000000000000" charset="0"/>
-              <a:buNone/>
-            </a:pPr>
-            <a:endParaRPr lang="en-AU" altLang="en-US"/>
-          </a:p>
         </p:txBody>
       </p:sp>
+      <p:sp>
+        <p:nvSpPr>
+          <p:cNvPr id="19" name="Rectangles 18"/>
+          <p:cNvSpPr/>
+          <p:nvPr/>
+        </p:nvSpPr>
+        <p:spPr>
+          <a:xfrm>
+            <a:off x="2185035" y="4425950"/>
+            <a:ext cx="2653030" cy="1207135"/>
+          </a:xfrm>
+          <a:prstGeom prst="rect">
+            <a:avLst/>
+          </a:prstGeom>
+          <a:ln>
+            <a:solidFill>
+              <a:schemeClr val="tx1"/>
+            </a:solidFill>
+          </a:ln>
+          <a:extLst>
+            <a:ext uri="{909E8E84-426E-40DD-AFC4-6F175D3DCCD1}">
+              <a14:hiddenFill xmlns:a14="http://schemas.microsoft.com/office/drawing/2010/main">
+                <a:gradFill rotWithShape="1">
+                  <a:gsLst>
+                    <a:gs pos="0">
+                      <a:schemeClr val="accent1">
+                        <a:lumMod val="110000"/>
+                        <a:satMod val="105000"/>
+                        <a:tint val="67000"/>
+                      </a:schemeClr>
+                    </a:gs>
+                    <a:gs pos="50000">
+                      <a:schemeClr val="accent1">
+                        <a:lumMod val="105000"/>
+                        <a:satMod val="103000"/>
+                        <a:tint val="73000"/>
+                      </a:schemeClr>
+                    </a:gs>
+                    <a:gs pos="100000">
+                      <a:schemeClr val="accent1">
+                        <a:lumMod val="105000"/>
+                        <a:satMod val="109000"/>
+                        <a:tint val="81000"/>
+                      </a:schemeClr>
+                    </a:gs>
+                  </a:gsLst>
+                  <a:lin ang="5400000" scaled="0"/>
+                </a:gradFill>
+              </a14:hiddenFill>
+            </a:ext>
+          </a:extLst>
+        </p:spPr>
+        <p:style>
+          <a:lnRef idx="3">
+            <a:schemeClr val="accent1"/>
+          </a:lnRef>
+          <a:fillRef idx="0">
+            <a:srgbClr val="FFFFFF"/>
+          </a:fillRef>
+          <a:effectRef idx="0">
+            <a:srgbClr val="FFFFFF"/>
+          </a:effectRef>
+          <a:fontRef idx="minor">
+            <a:schemeClr val="tx1"/>
+          </a:fontRef>
+        </p:style>
+        <p:txBody>
+          <a:bodyPr rtlCol="0" anchor="ctr"/>
+          <a:p>
+            <a:pPr algn="ctr"/>
+            <a:r>
+              <a:rPr lang="en-AU" altLang="en-US">
+                <a:solidFill>
+                  <a:schemeClr val="tx1"/>
+                </a:solidFill>
+              </a:rPr>
+              <a:t>mem_test2</a:t>
+            </a:r>
+            <a:endParaRPr lang="en-AU" altLang="en-US">
+              <a:solidFill>
+                <a:schemeClr val="tx1"/>
+              </a:solidFill>
+            </a:endParaRPr>
+          </a:p>
+        </p:txBody>
+      </p:sp>
+      <p:sp>
+        <p:nvSpPr>
+          <p:cNvPr id="21" name="Rectangles 20"/>
+          <p:cNvSpPr/>
+          <p:nvPr/>
+        </p:nvSpPr>
+        <p:spPr>
+          <a:xfrm>
+            <a:off x="671195" y="2503805"/>
+            <a:ext cx="5137150" cy="3467735"/>
+          </a:xfrm>
+          <a:prstGeom prst="rect">
+            <a:avLst/>
+          </a:prstGeom>
+          <a:ln>
+            <a:solidFill>
+              <a:schemeClr val="tx1"/>
+            </a:solidFill>
+          </a:ln>
+          <a:extLst>
+            <a:ext uri="{909E8E84-426E-40DD-AFC4-6F175D3DCCD1}">
+              <a14:hiddenFill xmlns:a14="http://schemas.microsoft.com/office/drawing/2010/main">
+                <a:solidFill>
+                  <a:schemeClr val="accent1"/>
+                </a:solidFill>
+              </a14:hiddenFill>
+            </a:ext>
+          </a:extLst>
+        </p:spPr>
+        <p:style>
+          <a:lnRef idx="3">
+            <a:schemeClr val="accent1"/>
+          </a:lnRef>
+          <a:fillRef idx="0">
+            <a:srgbClr val="FFFFFF"/>
+          </a:fillRef>
+          <a:effectRef idx="0">
+            <a:srgbClr val="FFFFFF"/>
+          </a:effectRef>
+          <a:fontRef idx="minor">
+            <a:schemeClr val="tx1"/>
+          </a:fontRef>
+        </p:style>
+        <p:txBody>
+          <a:bodyPr rtlCol="0" anchor="ctr"/>
+          <a:p>
+            <a:pPr algn="ctr"/>
+            <a:endParaRPr lang="en-US"/>
+          </a:p>
+        </p:txBody>
+      </p:sp>
+      <p:sp>
+        <p:nvSpPr>
+          <p:cNvPr id="22" name="Rectangles 21"/>
+          <p:cNvSpPr/>
+          <p:nvPr/>
+        </p:nvSpPr>
+        <p:spPr>
+          <a:xfrm>
+            <a:off x="4021455" y="5197475"/>
+            <a:ext cx="816610" cy="435610"/>
+          </a:xfrm>
+          <a:prstGeom prst="rect">
+            <a:avLst/>
+          </a:prstGeom>
+          <a:solidFill>
+            <a:schemeClr val="accent5">
+              <a:lumMod val="20000"/>
+              <a:lumOff val="80000"/>
+            </a:schemeClr>
+          </a:solidFill>
+          <a:ln>
+            <a:solidFill>
+              <a:schemeClr val="tx1"/>
+            </a:solidFill>
+          </a:ln>
+        </p:spPr>
+        <p:style>
+          <a:lnRef idx="3">
+            <a:schemeClr val="accent1"/>
+          </a:lnRef>
+          <a:fillRef idx="0">
+            <a:srgbClr val="FFFFFF"/>
+          </a:fillRef>
+          <a:effectRef idx="0">
+            <a:srgbClr val="FFFFFF"/>
+          </a:effectRef>
+          <a:fontRef idx="minor">
+            <a:schemeClr val="tx1"/>
+          </a:fontRef>
+        </p:style>
+        <p:txBody>
+          <a:bodyPr rtlCol="0" anchor="ctr"/>
+          <a:p>
+            <a:pPr algn="ctr"/>
+            <a:r>
+              <a:rPr lang="en-AU" altLang="en-US">
+                <a:solidFill>
+                  <a:schemeClr val="tx1"/>
+                </a:solidFill>
+              </a:rPr>
+              <a:t>VIR IF</a:t>
+            </a:r>
+            <a:endParaRPr lang="en-AU" altLang="en-US">
+              <a:solidFill>
+                <a:schemeClr val="tx1"/>
+              </a:solidFill>
+            </a:endParaRPr>
+          </a:p>
+        </p:txBody>
+      </p:sp>
+      <p:sp>
+        <p:nvSpPr>
+          <p:cNvPr id="23" name="Rectangles 22"/>
+          <p:cNvSpPr/>
+          <p:nvPr/>
+        </p:nvSpPr>
+        <p:spPr>
+          <a:xfrm>
+            <a:off x="4021455" y="2697480"/>
+            <a:ext cx="816610" cy="501015"/>
+          </a:xfrm>
+          <a:prstGeom prst="rect">
+            <a:avLst/>
+          </a:prstGeom>
+          <a:solidFill>
+            <a:schemeClr val="accent5">
+              <a:lumMod val="20000"/>
+              <a:lumOff val="80000"/>
+            </a:schemeClr>
+          </a:solidFill>
+          <a:ln>
+            <a:solidFill>
+              <a:schemeClr val="tx1"/>
+            </a:solidFill>
+          </a:ln>
+        </p:spPr>
+        <p:style>
+          <a:lnRef idx="3">
+            <a:schemeClr val="accent1"/>
+          </a:lnRef>
+          <a:fillRef idx="0">
+            <a:srgbClr val="FFFFFF"/>
+          </a:fillRef>
+          <a:effectRef idx="0">
+            <a:srgbClr val="FFFFFF"/>
+          </a:effectRef>
+          <a:fontRef idx="minor">
+            <a:schemeClr val="tx1"/>
+          </a:fontRef>
+        </p:style>
+        <p:txBody>
+          <a:bodyPr rtlCol="0" anchor="ctr"/>
+          <a:p>
+            <a:pPr algn="ctr"/>
+            <a:r>
+              <a:rPr lang="en-AU" altLang="en-US">
+                <a:solidFill>
+                  <a:schemeClr val="tx1"/>
+                </a:solidFill>
+              </a:rPr>
+              <a:t>VIR IF</a:t>
+            </a:r>
+            <a:endParaRPr lang="en-AU" altLang="en-US">
+              <a:solidFill>
+                <a:schemeClr val="tx1"/>
+              </a:solidFill>
+            </a:endParaRPr>
+          </a:p>
+        </p:txBody>
+      </p:sp>
+      <p:cxnSp>
+        <p:nvCxnSpPr>
+          <p:cNvPr id="24" name="Curved Connector 23"/>
+          <p:cNvCxnSpPr>
+            <a:stCxn id="14" idx="1"/>
+            <a:endCxn id="23" idx="3"/>
+          </p:cNvCxnSpPr>
+          <p:nvPr/>
+        </p:nvCxnSpPr>
+        <p:spPr>
+          <a:xfrm rot="10800000">
+            <a:off x="4838065" y="2947670"/>
+            <a:ext cx="1247140" cy="1329055"/>
+          </a:xfrm>
+          <a:prstGeom prst="curvedConnector3">
+            <a:avLst>
+              <a:gd name="adj1" fmla="val 50000"/>
+            </a:avLst>
+          </a:prstGeom>
+          <a:ln w="31750" cap="rnd">
+            <a:solidFill>
+              <a:schemeClr val="tx1"/>
+            </a:solidFill>
+            <a:round/>
+            <a:tailEnd type="arrow" w="med" len="med"/>
+          </a:ln>
+        </p:spPr>
+        <p:style>
+          <a:lnRef idx="0">
+            <a:srgbClr val="FFFFFF"/>
+          </a:lnRef>
+          <a:fillRef idx="0">
+            <a:srgbClr val="FFFFFF"/>
+          </a:fillRef>
+          <a:effectRef idx="0">
+            <a:srgbClr val="FFFFFF"/>
+          </a:effectRef>
+          <a:fontRef idx="minor">
+            <a:schemeClr val="tx1"/>
+          </a:fontRef>
+        </p:style>
+      </p:cxnSp>
+      <p:cxnSp>
+        <p:nvCxnSpPr>
+          <p:cNvPr id="25" name="Curved Connector 24"/>
+          <p:cNvCxnSpPr>
+            <a:endCxn id="22" idx="3"/>
+          </p:cNvCxnSpPr>
+          <p:nvPr/>
+        </p:nvCxnSpPr>
+        <p:spPr>
+          <a:xfrm rot="10800000" flipV="1">
+            <a:off x="4838065" y="4268470"/>
+            <a:ext cx="1244600" cy="1146175"/>
+          </a:xfrm>
+          <a:prstGeom prst="curvedConnector3">
+            <a:avLst>
+              <a:gd name="adj1" fmla="val 50000"/>
+            </a:avLst>
+          </a:prstGeom>
+          <a:ln w="31750" cap="rnd">
+            <a:solidFill>
+              <a:schemeClr val="tx1"/>
+            </a:solidFill>
+            <a:round/>
+            <a:tailEnd type="arrow" w="med" len="med"/>
+          </a:ln>
+        </p:spPr>
+        <p:style>
+          <a:lnRef idx="0">
+            <a:srgbClr val="FFFFFF"/>
+          </a:lnRef>
+          <a:fillRef idx="0">
+            <a:srgbClr val="FFFFFF"/>
+          </a:fillRef>
+          <a:effectRef idx="0">
+            <a:srgbClr val="FFFFFF"/>
+          </a:effectRef>
+          <a:fontRef idx="minor">
+            <a:schemeClr val="tx1"/>
+          </a:fontRef>
+        </p:style>
+      </p:cxnSp>
     </p:spTree>
   </p:cSld>
   <p:clrMapOvr>
@@ -9031,6 +9738,118 @@
       </p:grpSpPr>
       <p:sp>
         <p:nvSpPr>
+          <p:cNvPr id="2" name="Text Placeholder 1"/>
+          <p:cNvSpPr>
+            <a:spLocks noGrp="1"/>
+          </p:cNvSpPr>
+          <p:nvPr>
+            <p:ph type="body" sz="quarter" idx="14"/>
+          </p:nvPr>
+        </p:nvSpPr>
+        <p:spPr>
+          <a:xfrm>
+            <a:off x="2984338" y="2411151"/>
+            <a:ext cx="8818886" cy="914400"/>
+          </a:xfrm>
+        </p:spPr>
+        <p:txBody>
+          <a:bodyPr>
+            <a:normAutofit/>
+          </a:bodyPr>
+          <a:lstStyle/>
+          <a:p>
+            <a:r>
+              <a:rPr lang="en-US" altLang="en-US" sz="2800" b="1" dirty="0">
+                <a:solidFill>
+                  <a:srgbClr val="FF0000"/>
+                </a:solidFill>
+                <a:latin typeface="FS PF BeauSans Pro Light" panose="02000500000000020004" pitchFamily="2" charset="0"/>
+                <a:sym typeface="+mn-ea"/>
+              </a:rPr>
+              <a:t>Testing the Memory Interface Design</a:t>
+            </a:r>
+            <a:endParaRPr lang="en-US" altLang="en-US" sz="2800" b="1" dirty="0">
+              <a:solidFill>
+                <a:srgbClr val="FF0000"/>
+              </a:solidFill>
+              <a:latin typeface="FS PF BeauSans Pro Light" panose="02000500000000020004" pitchFamily="2" charset="0"/>
+              <a:sym typeface="+mn-ea"/>
+            </a:endParaRPr>
+          </a:p>
+        </p:txBody>
+      </p:sp>
+      <p:sp>
+        <p:nvSpPr>
+          <p:cNvPr id="3" name="Slide Number Placeholder 2"/>
+          <p:cNvSpPr>
+            <a:spLocks noGrp="1"/>
+          </p:cNvSpPr>
+          <p:nvPr>
+            <p:ph type="sldNum" sz="quarter" idx="12"/>
+          </p:nvPr>
+        </p:nvSpPr>
+        <p:spPr/>
+        <p:txBody>
+          <a:bodyPr/>
+          <a:lstStyle/>
+          <a:p>
+            <a:fld id="{9BDFC6CA-7EF9-41E7-A554-FEB845A95311}" type="slidenum">
+              <a:rPr lang="en-US" smtClean="0"/>
+            </a:fld>
+            <a:endParaRPr lang="en-US"/>
+          </a:p>
+        </p:txBody>
+      </p:sp>
+      <p:sp>
+        <p:nvSpPr>
+          <p:cNvPr id="4" name="Text Placeholder 3"/>
+          <p:cNvSpPr>
+            <a:spLocks noGrp="1"/>
+          </p:cNvSpPr>
+          <p:nvPr>
+            <p:ph type="body" sz="quarter" idx="15"/>
+          </p:nvPr>
+        </p:nvSpPr>
+        <p:spPr/>
+        <p:txBody>
+          <a:bodyPr/>
+          <a:lstStyle/>
+          <a:p>
+            <a:r>
+              <a:rPr lang="en-US" dirty="0"/>
+              <a:t>02</a:t>
+            </a:r>
+            <a:endParaRPr lang="en-US" dirty="0"/>
+          </a:p>
+        </p:txBody>
+      </p:sp>
+    </p:spTree>
+  </p:cSld>
+  <p:clrMapOvr>
+    <a:masterClrMapping/>
+  </p:clrMapOvr>
+</p:sld>
+</file>
+
+<file path=ppt/slides/slide8.xml><?xml version="1.0" encoding="utf-8"?>
+<p:sld xmlns:a="http://schemas.openxmlformats.org/drawingml/2006/main" xmlns:r="http://schemas.openxmlformats.org/officeDocument/2006/relationships" xmlns:p="http://schemas.openxmlformats.org/presentationml/2006/main">
+  <p:cSld>
+    <p:spTree>
+      <p:nvGrpSpPr>
+        <p:cNvPr id="1" name=""/>
+        <p:cNvGrpSpPr/>
+        <p:nvPr/>
+      </p:nvGrpSpPr>
+      <p:grpSpPr>
+        <a:xfrm>
+          <a:off x="0" y="0"/>
+          <a:ext cx="0" cy="0"/>
+          <a:chOff x="0" y="0"/>
+          <a:chExt cx="0" cy="0"/>
+        </a:xfrm>
+      </p:grpSpPr>
+      <p:sp>
+        <p:nvSpPr>
           <p:cNvPr id="10" name="Title 1"/>
           <p:cNvSpPr>
             <a:spLocks noGrp="1"/>
@@ -9563,118 +10382,6 @@
           </a:fontRef>
         </p:style>
       </p:cxnSp>
-    </p:spTree>
-  </p:cSld>
-  <p:clrMapOvr>
-    <a:masterClrMapping/>
-  </p:clrMapOvr>
-</p:sld>
-</file>
-
-<file path=ppt/slides/slide8.xml><?xml version="1.0" encoding="utf-8"?>
-<p:sld xmlns:a="http://schemas.openxmlformats.org/drawingml/2006/main" xmlns:r="http://schemas.openxmlformats.org/officeDocument/2006/relationships" xmlns:p="http://schemas.openxmlformats.org/presentationml/2006/main">
-  <p:cSld>
-    <p:spTree>
-      <p:nvGrpSpPr>
-        <p:cNvPr id="1" name=""/>
-        <p:cNvGrpSpPr/>
-        <p:nvPr/>
-      </p:nvGrpSpPr>
-      <p:grpSpPr>
-        <a:xfrm>
-          <a:off x="0" y="0"/>
-          <a:ext cx="0" cy="0"/>
-          <a:chOff x="0" y="0"/>
-          <a:chExt cx="0" cy="0"/>
-        </a:xfrm>
-      </p:grpSpPr>
-      <p:sp>
-        <p:nvSpPr>
-          <p:cNvPr id="2" name="Text Placeholder 1"/>
-          <p:cNvSpPr>
-            <a:spLocks noGrp="1"/>
-          </p:cNvSpPr>
-          <p:nvPr>
-            <p:ph type="body" sz="quarter" idx="14"/>
-          </p:nvPr>
-        </p:nvSpPr>
-        <p:spPr>
-          <a:xfrm>
-            <a:off x="2984338" y="2411151"/>
-            <a:ext cx="8818886" cy="914400"/>
-          </a:xfrm>
-        </p:spPr>
-        <p:txBody>
-          <a:bodyPr>
-            <a:normAutofit/>
-          </a:bodyPr>
-          <a:lstStyle/>
-          <a:p>
-            <a:r>
-              <a:rPr lang="en-US" altLang="en-US" sz="2800" b="1" dirty="0">
-                <a:solidFill>
-                  <a:srgbClr val="FF0000"/>
-                </a:solidFill>
-                <a:latin typeface="FS PF BeauSans Pro Light" panose="02000500000000020004" pitchFamily="2" charset="0"/>
-                <a:sym typeface="+mn-ea"/>
-              </a:rPr>
-              <a:t>Testing the Memory Interface Design</a:t>
-            </a:r>
-            <a:endParaRPr lang="en-US" altLang="en-US" sz="2800" b="1" dirty="0">
-              <a:solidFill>
-                <a:srgbClr val="FF0000"/>
-              </a:solidFill>
-              <a:latin typeface="FS PF BeauSans Pro Light" panose="02000500000000020004" pitchFamily="2" charset="0"/>
-              <a:sym typeface="+mn-ea"/>
-            </a:endParaRPr>
-          </a:p>
-        </p:txBody>
-      </p:sp>
-      <p:sp>
-        <p:nvSpPr>
-          <p:cNvPr id="3" name="Slide Number Placeholder 2"/>
-          <p:cNvSpPr>
-            <a:spLocks noGrp="1"/>
-          </p:cNvSpPr>
-          <p:nvPr>
-            <p:ph type="sldNum" sz="quarter" idx="12"/>
-          </p:nvPr>
-        </p:nvSpPr>
-        <p:spPr/>
-        <p:txBody>
-          <a:bodyPr/>
-          <a:lstStyle/>
-          <a:p>
-            <a:fld id="{9BDFC6CA-7EF9-41E7-A554-FEB845A95311}" type="slidenum">
-              <a:rPr lang="en-US" smtClean="0"/>
-            </a:fld>
-            <a:endParaRPr lang="en-US"/>
-          </a:p>
-        </p:txBody>
-      </p:sp>
-      <p:sp>
-        <p:nvSpPr>
-          <p:cNvPr id="4" name="Text Placeholder 3"/>
-          <p:cNvSpPr>
-            <a:spLocks noGrp="1"/>
-          </p:cNvSpPr>
-          <p:nvPr>
-            <p:ph type="body" sz="quarter" idx="15"/>
-          </p:nvPr>
-        </p:nvSpPr>
-        <p:spPr/>
-        <p:txBody>
-          <a:bodyPr/>
-          <a:lstStyle/>
-          <a:p>
-            <a:r>
-              <a:rPr lang="en-US" dirty="0"/>
-              <a:t>02</a:t>
-            </a:r>
-            <a:endParaRPr lang="en-US" dirty="0"/>
-          </a:p>
-        </p:txBody>
-      </p:sp>
     </p:spTree>
   </p:cSld>
   <p:clrMapOvr>

--- a/LAB14.pptx
+++ b/LAB14.pptx
@@ -175,12 +175,12 @@
             <a:srgbClr val="A4A3A4"/>
           </p15:clr>
         </p15:guide>
-        <p15:guide id="3" orient="horz" pos="2652" userDrawn="1">
+        <p15:guide id="3" orient="horz" pos="2688" userDrawn="1">
           <p15:clr>
             <a:srgbClr val="A4A3A4"/>
           </p15:clr>
         </p15:guide>
-        <p15:guide id="4" orient="horz" pos="3161" userDrawn="1">
+        <p15:guide id="4" orient="horz" pos="3168" userDrawn="1">
           <p15:clr>
             <a:srgbClr val="A4A3A4"/>
           </p15:clr>
@@ -205,7 +205,7 @@
             <a:srgbClr val="A4A3A4"/>
           </p15:clr>
         </p15:guide>
-        <p15:guide id="9" pos="4152" userDrawn="1">
+        <p15:guide id="9" pos="4177" userDrawn="1">
           <p15:clr>
             <a:srgbClr val="A4A3A4"/>
           </p15:clr>
@@ -5025,137 +5025,6 @@
           </a:prstGeom>
         </p:spPr>
       </p:pic>
-      <p:sp>
-        <p:nvSpPr>
-          <p:cNvPr id="5" name="Text Box 4"/>
-          <p:cNvSpPr txBox="1"/>
-          <p:nvPr/>
-        </p:nvSpPr>
-        <p:spPr>
-          <a:xfrm>
-            <a:off x="352425" y="495300"/>
-            <a:ext cx="11489055" cy="5761355"/>
-          </a:xfrm>
-          <a:prstGeom prst="rect">
-            <a:avLst/>
-          </a:prstGeom>
-          <a:noFill/>
-        </p:spPr>
-        <p:txBody>
-          <a:bodyPr wrap="square" rtlCol="0">
-            <a:noAutofit/>
-          </a:bodyPr>
-          <a:p>
-            <a:pPr marL="285750" indent="-285750">
-              <a:buFont typeface="Wingdings" panose="05000000000000000000" charset="0"/>
-              <a:buChar char="q"/>
-            </a:pPr>
-            <a:endParaRPr lang="en-US" altLang="en-US"/>
-          </a:p>
-          <a:p>
-            <a:pPr marL="285750" indent="-285750">
-              <a:buFont typeface="Wingdings" panose="05000000000000000000" charset="0"/>
-              <a:buChar char="q"/>
-            </a:pPr>
-            <a:endParaRPr lang="en-US" altLang="en-US"/>
-          </a:p>
-          <a:p>
-            <a:pPr marL="285750" indent="-285750">
-              <a:buFont typeface="Wingdings" panose="05000000000000000000" charset="0"/>
-              <a:buChar char="q"/>
-            </a:pPr>
-            <a:endParaRPr lang="en-US" altLang="en-US"/>
-          </a:p>
-          <a:p>
-            <a:pPr marL="285750" indent="-285750">
-              <a:buFont typeface="Wingdings" panose="05000000000000000000" charset="0"/>
-              <a:buChar char="q"/>
-            </a:pPr>
-            <a:endParaRPr lang="en-US" altLang="en-US"/>
-          </a:p>
-          <a:p>
-            <a:pPr marL="285750" indent="-285750">
-              <a:buFont typeface="Wingdings" panose="05000000000000000000" charset="0"/>
-              <a:buChar char="q"/>
-            </a:pPr>
-            <a:endParaRPr lang="en-US" altLang="en-US"/>
-          </a:p>
-          <a:p>
-            <a:pPr marL="285750" indent="-285750">
-              <a:buFont typeface="Wingdings" panose="05000000000000000000" charset="0"/>
-              <a:buChar char="q"/>
-            </a:pPr>
-            <a:endParaRPr lang="en-US" altLang="en-US"/>
-          </a:p>
-          <a:p>
-            <a:pPr marL="285750" indent="-285750">
-              <a:buFont typeface="Wingdings" panose="05000000000000000000" charset="0"/>
-              <a:buChar char="q"/>
-            </a:pPr>
-            <a:endParaRPr lang="en-US" altLang="en-US"/>
-          </a:p>
-          <a:p>
-            <a:pPr marL="285750" indent="-285750">
-              <a:buFont typeface="Wingdings" panose="05000000000000000000" charset="0"/>
-              <a:buChar char="q"/>
-            </a:pPr>
-            <a:endParaRPr lang="en-AU" altLang="en-US"/>
-          </a:p>
-          <a:p>
-            <a:pPr marL="285750" indent="-285750">
-              <a:buFont typeface="Wingdings" panose="05000000000000000000" charset="0"/>
-              <a:buChar char="q"/>
-            </a:pPr>
-            <a:endParaRPr lang="en-AU" altLang="en-US"/>
-          </a:p>
-          <a:p>
-            <a:pPr marL="285750" indent="-285750">
-              <a:buFont typeface="Wingdings" panose="05000000000000000000" charset="0"/>
-              <a:buChar char="q"/>
-            </a:pPr>
-            <a:endParaRPr lang="en-AU" altLang="en-US"/>
-          </a:p>
-          <a:p>
-            <a:pPr marL="285750" indent="-285750">
-              <a:buFont typeface="Wingdings" panose="05000000000000000000" charset="0"/>
-              <a:buChar char="q"/>
-            </a:pPr>
-            <a:endParaRPr lang="en-AU" altLang="en-US"/>
-          </a:p>
-          <a:p>
-            <a:pPr marL="3943350" lvl="8" indent="-285750">
-              <a:buFont typeface="Wingdings" panose="05000000000000000000" charset="0"/>
-              <a:buChar char="q"/>
-            </a:pPr>
-            <a:endParaRPr lang="en-AU" altLang="en-US"/>
-          </a:p>
-          <a:p>
-            <a:pPr lvl="8" indent="0">
-              <a:buFont typeface="Wingdings" panose="05000000000000000000" charset="0"/>
-              <a:buNone/>
-            </a:pPr>
-            <a:r>
-              <a:rPr lang="en-AU" altLang="en-US"/>
-              <a:t>                                </a:t>
-            </a:r>
-            <a:endParaRPr lang="en-AU" altLang="en-US"/>
-          </a:p>
-          <a:p>
-            <a:pPr lvl="8" indent="0">
-              <a:buFont typeface="Wingdings" panose="05000000000000000000" charset="0"/>
-              <a:buNone/>
-            </a:pPr>
-            <a:endParaRPr lang="en-AU" altLang="en-US"/>
-          </a:p>
-          <a:p>
-            <a:pPr lvl="8" indent="0">
-              <a:buFont typeface="Wingdings" panose="05000000000000000000" charset="0"/>
-              <a:buNone/>
-            </a:pPr>
-            <a:endParaRPr lang="en-AU" altLang="en-US"/>
-          </a:p>
-        </p:txBody>
-      </p:sp>
       <p:pic>
         <p:nvPicPr>
           <p:cNvPr id="3" name="Picture 2"/>
@@ -5212,19 +5081,23 @@
         </p:nvCxnSpPr>
         <p:spPr>
           <a:xfrm flipV="1">
-            <a:off x="5384165" y="787400"/>
-            <a:ext cx="575945" cy="3276600"/>
+            <a:off x="5765165" y="787400"/>
+            <a:ext cx="194945" cy="1007110"/>
           </a:xfrm>
           <a:prstGeom prst="straightConnector1">
             <a:avLst/>
           </a:prstGeom>
-          <a:ln>
-            <a:tailEnd type="arrow"/>
+          <a:ln w="31750" cap="rnd">
+            <a:solidFill>
+              <a:schemeClr val="accent1"/>
+            </a:solidFill>
+            <a:round/>
+            <a:tailEnd type="arrow" w="med" len="med"/>
           </a:ln>
         </p:spPr>
         <p:style>
-          <a:lnRef idx="2">
-            <a:schemeClr val="accent1"/>
+          <a:lnRef idx="0">
+            <a:srgbClr val="FFFFFF"/>
           </a:lnRef>
           <a:fillRef idx="0">
             <a:srgbClr val="FFFFFF"/>
@@ -5246,18 +5119,22 @@
         <p:spPr>
           <a:xfrm flipH="1" flipV="1">
             <a:off x="8017510" y="2065655"/>
-            <a:ext cx="3386455" cy="1659255"/>
+            <a:ext cx="795655" cy="389255"/>
           </a:xfrm>
           <a:prstGeom prst="straightConnector1">
             <a:avLst/>
           </a:prstGeom>
-          <a:ln>
-            <a:tailEnd type="arrow"/>
+          <a:ln w="31750" cap="rnd">
+            <a:solidFill>
+              <a:schemeClr val="accent1"/>
+            </a:solidFill>
+            <a:round/>
+            <a:tailEnd type="arrow" w="med" len="med"/>
           </a:ln>
         </p:spPr>
         <p:style>
-          <a:lnRef idx="2">
-            <a:schemeClr val="accent1"/>
+          <a:lnRef idx="0">
+            <a:srgbClr val="FFFFFF"/>
           </a:lnRef>
           <a:fillRef idx="0">
             <a:srgbClr val="FFFFFF"/>
@@ -5284,13 +5161,17 @@
           <a:prstGeom prst="straightConnector1">
             <a:avLst/>
           </a:prstGeom>
-          <a:ln>
-            <a:tailEnd type="arrow"/>
+          <a:ln w="31750" cap="rnd">
+            <a:solidFill>
+              <a:schemeClr val="accent1"/>
+            </a:solidFill>
+            <a:round/>
+            <a:tailEnd type="arrow" w="med" len="med"/>
           </a:ln>
         </p:spPr>
         <p:style>
-          <a:lnRef idx="2">
-            <a:schemeClr val="accent1"/>
+          <a:lnRef idx="0">
+            <a:srgbClr val="FFFFFF"/>
           </a:lnRef>
           <a:fillRef idx="0">
             <a:srgbClr val="FFFFFF"/>
@@ -5317,13 +5198,17 @@
           <a:prstGeom prst="straightConnector1">
             <a:avLst/>
           </a:prstGeom>
-          <a:ln>
-            <a:tailEnd type="arrow"/>
+          <a:ln w="31750" cap="rnd">
+            <a:solidFill>
+              <a:schemeClr val="accent1"/>
+            </a:solidFill>
+            <a:round/>
+            <a:tailEnd type="arrow" w="med" len="med"/>
           </a:ln>
         </p:spPr>
         <p:style>
-          <a:lnRef idx="2">
-            <a:schemeClr val="accent1"/>
+          <a:lnRef idx="0">
+            <a:srgbClr val="FFFFFF"/>
           </a:lnRef>
           <a:fillRef idx="0">
             <a:srgbClr val="FFFFFF"/>
@@ -5367,20 +5252,24 @@
           <p:nvPr/>
         </p:nvCxnSpPr>
         <p:spPr>
-          <a:xfrm flipH="1">
-            <a:off x="2700655" y="3691255"/>
-            <a:ext cx="3869055" cy="8255"/>
+          <a:xfrm flipH="1" flipV="1">
+            <a:off x="2700655" y="3699510"/>
+            <a:ext cx="1557655" cy="23495"/>
           </a:xfrm>
           <a:prstGeom prst="straightConnector1">
             <a:avLst/>
           </a:prstGeom>
-          <a:ln>
-            <a:tailEnd type="arrow"/>
+          <a:ln w="31750" cap="rnd">
+            <a:solidFill>
+              <a:schemeClr val="accent1"/>
+            </a:solidFill>
+            <a:round/>
+            <a:tailEnd type="arrow" w="med" len="med"/>
           </a:ln>
         </p:spPr>
         <p:style>
-          <a:lnRef idx="2">
-            <a:schemeClr val="accent1"/>
+          <a:lnRef idx="0">
+            <a:srgbClr val="FFFFFF"/>
           </a:lnRef>
           <a:fillRef idx="0">
             <a:srgbClr val="FFFFFF"/>
@@ -5401,19 +5290,23 @@
         </p:nvCxnSpPr>
         <p:spPr>
           <a:xfrm flipH="1">
-            <a:off x="3572510" y="4055110"/>
-            <a:ext cx="3403600" cy="67945"/>
+            <a:off x="3572510" y="4105910"/>
+            <a:ext cx="1625600" cy="17145"/>
           </a:xfrm>
           <a:prstGeom prst="straightConnector1">
             <a:avLst/>
           </a:prstGeom>
-          <a:ln>
-            <a:tailEnd type="arrow"/>
+          <a:ln w="31750" cap="rnd">
+            <a:solidFill>
+              <a:schemeClr val="accent1"/>
+            </a:solidFill>
+            <a:round/>
+            <a:tailEnd type="arrow" w="med" len="med"/>
           </a:ln>
         </p:spPr>
         <p:style>
-          <a:lnRef idx="2">
-            <a:schemeClr val="accent1"/>
+          <a:lnRef idx="0">
+            <a:srgbClr val="FFFFFF"/>
           </a:lnRef>
           <a:fillRef idx="0">
             <a:srgbClr val="FFFFFF"/>
@@ -5434,19 +5327,23 @@
         </p:nvCxnSpPr>
         <p:spPr>
           <a:xfrm flipH="1">
-            <a:off x="3580765" y="5189855"/>
-            <a:ext cx="2955290" cy="211455"/>
+            <a:off x="3580765" y="5306060"/>
+            <a:ext cx="1202690" cy="95250"/>
           </a:xfrm>
           <a:prstGeom prst="straightConnector1">
             <a:avLst/>
           </a:prstGeom>
-          <a:ln>
-            <a:tailEnd type="arrow"/>
+          <a:ln w="31750" cap="rnd">
+            <a:solidFill>
+              <a:schemeClr val="accent1"/>
+            </a:solidFill>
+            <a:round/>
+            <a:tailEnd type="arrow" w="med" len="med"/>
           </a:ln>
         </p:spPr>
         <p:style>
-          <a:lnRef idx="2">
-            <a:schemeClr val="accent1"/>
+          <a:lnRef idx="0">
+            <a:srgbClr val="FFFFFF"/>
           </a:lnRef>
           <a:fillRef idx="0">
             <a:srgbClr val="FFFFFF"/>
@@ -5459,6 +5356,82 @@
           </a:fontRef>
         </p:style>
       </p:cxnSp>
+      <p:sp>
+        <p:nvSpPr>
+          <p:cNvPr id="14" name="Text Box 13"/>
+          <p:cNvSpPr txBox="1"/>
+          <p:nvPr/>
+        </p:nvSpPr>
+        <p:spPr>
+          <a:xfrm>
+            <a:off x="4735195" y="4937760"/>
+            <a:ext cx="4064000" cy="368300"/>
+          </a:xfrm>
+          <a:prstGeom prst="rect">
+            <a:avLst/>
+          </a:prstGeom>
+          <a:noFill/>
+        </p:spPr>
+        <p:txBody>
+          <a:bodyPr wrap="square" rtlCol="0">
+            <a:spAutoFit/>
+          </a:bodyPr>
+          <a:p>
+            <a:r>
+              <a:rPr lang="en-AU" altLang="en-US">
+                <a:solidFill>
+                  <a:schemeClr val="bg1"/>
+                </a:solidFill>
+                <a:sym typeface="+mn-ea"/>
+              </a:rPr>
+              <a:t>example test</a:t>
+            </a:r>
+            <a:endParaRPr lang="en-AU" altLang="en-US">
+              <a:solidFill>
+                <a:schemeClr val="bg1"/>
+              </a:solidFill>
+            </a:endParaRPr>
+          </a:p>
+        </p:txBody>
+      </p:sp>
+      <p:sp>
+        <p:nvSpPr>
+          <p:cNvPr id="15" name="Text Box 14"/>
+          <p:cNvSpPr txBox="1"/>
+          <p:nvPr/>
+        </p:nvSpPr>
+        <p:spPr>
+          <a:xfrm>
+            <a:off x="8813165" y="2270760"/>
+            <a:ext cx="4064000" cy="368300"/>
+          </a:xfrm>
+          <a:prstGeom prst="rect">
+            <a:avLst/>
+          </a:prstGeom>
+          <a:noFill/>
+        </p:spPr>
+        <p:txBody>
+          <a:bodyPr wrap="square" rtlCol="0">
+            <a:spAutoFit/>
+          </a:bodyPr>
+          <a:p>
+            <a:r>
+              <a:rPr lang="en-AU" altLang="en-US">
+                <a:solidFill>
+                  <a:schemeClr val="bg1"/>
+                </a:solidFill>
+                <a:sym typeface="+mn-ea"/>
+              </a:rPr>
+              <a:t>example test</a:t>
+            </a:r>
+            <a:endParaRPr lang="en-AU" altLang="en-US">
+              <a:solidFill>
+                <a:schemeClr val="bg1"/>
+              </a:solidFill>
+            </a:endParaRPr>
+          </a:p>
+        </p:txBody>
+      </p:sp>
     </p:spTree>
   </p:cSld>
   <p:clrMapOvr>
@@ -5978,19 +5951,23 @@
         </p:nvCxnSpPr>
         <p:spPr>
           <a:xfrm flipV="1">
-            <a:off x="3107055" y="1066800"/>
-            <a:ext cx="1591310" cy="1718310"/>
+            <a:off x="3869055" y="1066800"/>
+            <a:ext cx="829310" cy="889000"/>
           </a:xfrm>
           <a:prstGeom prst="straightConnector1">
             <a:avLst/>
           </a:prstGeom>
-          <a:ln>
-            <a:tailEnd type="arrow"/>
+          <a:ln w="31750" cap="rnd">
+            <a:solidFill>
+              <a:schemeClr val="accent1"/>
+            </a:solidFill>
+            <a:round/>
+            <a:tailEnd type="arrow" w="med" len="med"/>
           </a:ln>
         </p:spPr>
         <p:style>
-          <a:lnRef idx="2">
-            <a:schemeClr val="accent1"/>
+          <a:lnRef idx="0">
+            <a:srgbClr val="FFFFFF"/>
           </a:lnRef>
           <a:fillRef idx="0">
             <a:srgbClr val="FFFFFF"/>
@@ -6017,13 +5994,54 @@
           <a:prstGeom prst="straightConnector1">
             <a:avLst/>
           </a:prstGeom>
-          <a:ln>
-            <a:tailEnd type="arrow"/>
+          <a:ln w="31750" cap="rnd">
+            <a:solidFill>
+              <a:schemeClr val="accent1"/>
+            </a:solidFill>
+            <a:round/>
+            <a:tailEnd type="arrow" w="med" len="med"/>
           </a:ln>
         </p:spPr>
         <p:style>
-          <a:lnRef idx="2">
-            <a:schemeClr val="accent1"/>
+          <a:lnRef idx="0">
+            <a:srgbClr val="FFFFFF"/>
+          </a:lnRef>
+          <a:fillRef idx="0">
+            <a:srgbClr val="FFFFFF"/>
+          </a:fillRef>
+          <a:effectRef idx="0">
+            <a:srgbClr val="FFFFFF"/>
+          </a:effectRef>
+          <a:fontRef idx="minor">
+            <a:schemeClr val="tx1"/>
+          </a:fontRef>
+        </p:style>
+      </p:cxnSp>
+      <p:cxnSp>
+        <p:nvCxnSpPr>
+          <p:cNvPr id="3" name="Straight Arrow Connector 2"/>
+          <p:cNvCxnSpPr/>
+          <p:nvPr/>
+        </p:nvCxnSpPr>
+        <p:spPr>
+          <a:xfrm>
+            <a:off x="8101965" y="6036310"/>
+            <a:ext cx="704850" cy="169545"/>
+          </a:xfrm>
+          <a:prstGeom prst="straightConnector1">
+            <a:avLst/>
+          </a:prstGeom>
+          <a:ln w="31750" cap="rnd">
+            <a:solidFill>
+              <a:schemeClr val="accent1"/>
+            </a:solidFill>
+            <a:round/>
+            <a:tailEnd type="arrow" w="med" len="med"/>
+          </a:ln>
+        </p:spPr>
+        <p:style>
+          <a:lnRef idx="0">
+            <a:srgbClr val="FFFFFF"/>
           </a:lnRef>
           <a:fillRef idx="0">
             <a:srgbClr val="FFFFFF"/>
@@ -8129,7 +8147,7 @@
         </p:nvSpPr>
         <p:spPr>
           <a:xfrm>
-            <a:off x="8949690" y="4044950"/>
+            <a:off x="8949690" y="4086225"/>
             <a:ext cx="990600" cy="381000"/>
           </a:xfrm>
           <a:prstGeom prst="leftRightArrow">
@@ -8528,7 +8546,7 @@
         <p:spPr>
           <a:xfrm>
             <a:off x="671195" y="2503805"/>
-            <a:ext cx="5137150" cy="3467735"/>
+            <a:ext cx="6484620" cy="3467735"/>
           </a:xfrm>
           <a:prstGeom prst="rect">
             <a:avLst/>
@@ -10291,19 +10309,23 @@
         </p:nvCxnSpPr>
         <p:spPr>
           <a:xfrm flipH="1">
-            <a:off x="8042910" y="1642110"/>
-            <a:ext cx="3200400" cy="1820545"/>
+            <a:off x="8042910" y="2505710"/>
+            <a:ext cx="1659255" cy="956945"/>
           </a:xfrm>
           <a:prstGeom prst="straightConnector1">
             <a:avLst/>
           </a:prstGeom>
-          <a:ln>
-            <a:tailEnd type="arrow"/>
+          <a:ln w="31750" cap="rnd">
+            <a:solidFill>
+              <a:schemeClr val="accent1"/>
+            </a:solidFill>
+            <a:round/>
+            <a:tailEnd type="arrow" w="med" len="med"/>
           </a:ln>
         </p:spPr>
         <p:style>
-          <a:lnRef idx="2">
-            <a:schemeClr val="accent1"/>
+          <a:lnRef idx="0">
+            <a:srgbClr val="FFFFFF"/>
           </a:lnRef>
           <a:fillRef idx="0">
             <a:srgbClr val="FFFFFF"/>
@@ -10330,13 +10352,17 @@
           <a:prstGeom prst="straightConnector1">
             <a:avLst/>
           </a:prstGeom>
-          <a:ln>
-            <a:tailEnd type="arrow"/>
+          <a:ln w="31750" cap="rnd">
+            <a:solidFill>
+              <a:schemeClr val="accent1"/>
+            </a:solidFill>
+            <a:round/>
+            <a:tailEnd type="arrow" w="med" len="med"/>
           </a:ln>
         </p:spPr>
         <p:style>
-          <a:lnRef idx="2">
-            <a:schemeClr val="accent1"/>
+          <a:lnRef idx="0">
+            <a:srgbClr val="FFFFFF"/>
           </a:lnRef>
           <a:fillRef idx="0">
             <a:srgbClr val="FFFFFF"/>
@@ -10363,13 +10389,17 @@
           <a:prstGeom prst="straightConnector1">
             <a:avLst/>
           </a:prstGeom>
-          <a:ln>
-            <a:tailEnd type="arrow"/>
+          <a:ln w="31750" cap="rnd">
+            <a:solidFill>
+              <a:schemeClr val="accent1"/>
+            </a:solidFill>
+            <a:round/>
+            <a:tailEnd type="arrow" w="med" len="med"/>
           </a:ln>
         </p:spPr>
         <p:style>
-          <a:lnRef idx="2">
-            <a:schemeClr val="accent1"/>
+          <a:lnRef idx="0">
+            <a:srgbClr val="FFFFFF"/>
           </a:lnRef>
           <a:fillRef idx="0">
             <a:srgbClr val="FFFFFF"/>
